--- a/ChurnModelling/ChurnModelling.pptx
+++ b/ChurnModelling/ChurnModelling.pptx
@@ -9,6 +9,7 @@
     <p:sldId id="257" r:id="rId7"/>
     <p:sldId id="258" r:id="rId8"/>
     <p:sldId id="259" r:id="rId9"/>
+    <p:sldId id="260" r:id="rId10"/>
   </p:sldIdLst>
   <p:sldSz cx="12192000" cy="6858000"/>
   <p:notesSz cx="6858000" cy="9144000"/>
@@ -3329,7 +3330,7 @@
           <p:cNvPr id="0" name="slide1">
             <a:extLst>
               <a:ext uri="{FF2B5EF4-FFF2-40B4-BE49-F238E27FC236}">
-                <a16:creationId xmlns:a16="http://schemas.microsoft.com/office/drawing/2014/main" id="{6976CA89-5558-4D03-AA37-AB082AC5C2F8}"/>
+                <a16:creationId xmlns:a16="http://schemas.microsoft.com/office/drawing/2014/main" id="{CC2F47A2-826E-4CA6-AF24-5614EC6E05DD}"/>
               </a:ext>
             </a:extLst>
           </p:cNvPr>
@@ -3357,7 +3358,7 @@
           <p:cNvPr id="1" name="slide1">
             <a:extLst>
               <a:ext uri="{FF2B5EF4-FFF2-40B4-BE49-F238E27FC236}">
-                <a16:creationId xmlns:a16="http://schemas.microsoft.com/office/drawing/2014/main" id="{5DB292C7-2161-4A54-8E74-3F92460C4CEB}"/>
+                <a16:creationId xmlns:a16="http://schemas.microsoft.com/office/drawing/2014/main" id="{8F78D6F3-2468-4B6D-9D98-D955D845116D}"/>
               </a:ext>
             </a:extLst>
           </p:cNvPr>
@@ -3375,7 +3376,7 @@
           <a:p>
             <a:r>
               <a:rPr/>
-              <a:t>File created on: 2019-12-30 6:50:35 PM</a:t>
+              <a:t>File created on: 2020-01-02 10:27:38 AM</a:t>
             </a:r>
           </a:p>
         </p:txBody>
@@ -3415,7 +3416,7 @@
           <p:cNvPr descr="Gender" id="2" name="slide2">
             <a:extLst>
               <a:ext uri="{FF2B5EF4-FFF2-40B4-BE49-F238E27FC236}">
-                <a16:creationId xmlns:a16="http://schemas.microsoft.com/office/drawing/2014/main" id="{C391C67B-2CE6-4349-9384-080068AB107B}"/>
+                <a16:creationId xmlns:a16="http://schemas.microsoft.com/office/drawing/2014/main" id="{AC358943-6350-4BE7-A7F9-7FD992190FA4}"/>
               </a:ext>
             </a:extLst>
           </p:cNvPr>
@@ -3438,8 +3439,8 @@
         </p:blipFill>
         <p:spPr>
           <a:xfrm>
-            <a:off x="2564050" y="0"/>
-            <a:ext cx="7063898" cy="6858000"/>
+            <a:off x="2608351" y="0"/>
+            <a:ext cx="6975297" cy="6858000"/>
           </a:xfrm>
           <a:prstGeom prst="rect">
             <a:avLst/>
@@ -3481,7 +3482,7 @@
           <p:cNvPr descr="Country" id="3" name="slide3">
             <a:extLst>
               <a:ext uri="{FF2B5EF4-FFF2-40B4-BE49-F238E27FC236}">
-                <a16:creationId xmlns:a16="http://schemas.microsoft.com/office/drawing/2014/main" id="{FC8194E8-4867-421F-AD1D-C78E5558E46D}"/>
+                <a16:creationId xmlns:a16="http://schemas.microsoft.com/office/drawing/2014/main" id="{AA3AF427-3C6C-47DA-A826-96C3870CD16E}"/>
               </a:ext>
             </a:extLst>
           </p:cNvPr>
@@ -3504,8 +3505,8 @@
         </p:blipFill>
         <p:spPr>
           <a:xfrm>
-            <a:off x="1136268" y="0"/>
-            <a:ext cx="9919463" cy="6858000"/>
+            <a:off x="1199707" y="0"/>
+            <a:ext cx="9792586" cy="6858000"/>
           </a:xfrm>
           <a:prstGeom prst="rect">
             <a:avLst/>
@@ -3547,7 +3548,7 @@
           <p:cNvPr descr="HasCrCard" id="4" name="slide4">
             <a:extLst>
               <a:ext uri="{FF2B5EF4-FFF2-40B4-BE49-F238E27FC236}">
-                <a16:creationId xmlns:a16="http://schemas.microsoft.com/office/drawing/2014/main" id="{8CA1A077-4BA9-48BE-94A3-B8667F45D398}"/>
+                <a16:creationId xmlns:a16="http://schemas.microsoft.com/office/drawing/2014/main" id="{F8E483D2-F9A6-4F43-A86A-5655EF2FEFF1}"/>
               </a:ext>
             </a:extLst>
           </p:cNvPr>
@@ -3570,8 +3571,74 @@
         </p:blipFill>
         <p:spPr>
           <a:xfrm>
-            <a:off x="2564050" y="0"/>
-            <a:ext cx="7063898" cy="6858000"/>
+            <a:off x="2608351" y="0"/>
+            <a:ext cx="6975297" cy="6858000"/>
+          </a:xfrm>
+          <a:prstGeom prst="rect">
+            <a:avLst/>
+          </a:prstGeom>
+        </p:spPr>
+      </p:pic>
+    </p:spTree>
+    <p:extLst>
+      <p:ext uri="{BB962C8B-B14F-4D97-AF65-F5344CB8AC3E}">
+        <p14:creationId xmlns:p14="http://schemas.microsoft.com/office/powerpoint/2010/main" val="95992585"/>
+      </p:ext>
+    </p:extLst>
+  </p:cSld>
+  <p:clrMapOvr>
+    <a:masterClrMapping/>
+  </p:clrMapOvr>
+</p:sld>
+</file>
+
+<file path=ppt/slides/slide5.xml><?xml version="1.0" encoding="utf-8"?>
+<p:sld xmlns:a="http://schemas.openxmlformats.org/drawingml/2006/main" xmlns:p="http://schemas.openxmlformats.org/presentationml/2006/main" xmlns:r="http://schemas.openxmlformats.org/officeDocument/2006/relationships">
+  <p:cSld>
+    <p:spTree>
+      <p:nvGrpSpPr>
+        <p:cNvPr id="1" name=""/>
+        <p:cNvGrpSpPr/>
+        <p:nvPr/>
+      </p:nvGrpSpPr>
+      <p:grpSpPr>
+        <a:xfrm>
+          <a:off x="0" y="0"/>
+          <a:ext cx="0" cy="0"/>
+          <a:chOff x="0" y="0"/>
+          <a:chExt cx="0" cy="0"/>
+        </a:xfrm>
+      </p:grpSpPr>
+      <p:pic>
+        <p:nvPicPr>
+          <p:cNvPr descr="Age" id="5" name="slide5">
+            <a:extLst>
+              <a:ext uri="{FF2B5EF4-FFF2-40B4-BE49-F238E27FC236}">
+                <a16:creationId xmlns:a16="http://schemas.microsoft.com/office/drawing/2014/main" id="{E0487251-6883-41E7-962D-AA328E39291C}"/>
+              </a:ext>
+            </a:extLst>
+          </p:cNvPr>
+          <p:cNvPicPr>
+            <a:picLocks noChangeAspect="1"/>
+          </p:cNvPicPr>
+          <p:nvPr/>
+        </p:nvPicPr>
+        <p:blipFill>
+          <a:blip r:embed="rId10">
+            <a:extLst>
+              <a:ext uri="{28A0092B-C50C-407E-A947-70E740481C1C}">
+                <a14:useLocalDpi xmlns:a14="http://schemas.microsoft.com/office/drawing/2010/main" val="0"/>
+              </a:ext>
+            </a:extLst>
+          </a:blip>
+          <a:stretch>
+            <a:fillRect/>
+          </a:stretch>
+        </p:blipFill>
+        <p:spPr>
+          <a:xfrm>
+            <a:off x="247650" y="1128712"/>
+            <a:ext cx="11696700" cy="4600575"/>
           </a:xfrm>
           <a:prstGeom prst="rect">
             <a:avLst/>
